--- a/Arabic/Why EPIC - a comparison with BTC v06.pptx
+++ b/Arabic/Why EPIC - a comparison with BTC v06.pptx
@@ -254,7 +254,7 @@
           <a:p>
             <a:fld id="{2C589450-6D6C-274A-95DB-474DD4720C8A}" type="datetimeFigureOut">
               <a:rPr lang="en-US" smtClean="0"/>
-              <a:t>4/5/21</a:t>
+              <a:t>4/5/2021</a:t>
             </a:fld>
             <a:endParaRPr lang="en-US"/>
           </a:p>
@@ -424,7 +424,7 @@
           <a:p>
             <a:fld id="{2C589450-6D6C-274A-95DB-474DD4720C8A}" type="datetimeFigureOut">
               <a:rPr lang="en-US" smtClean="0"/>
-              <a:t>4/5/21</a:t>
+              <a:t>4/5/2021</a:t>
             </a:fld>
             <a:endParaRPr lang="en-US"/>
           </a:p>
@@ -604,7 +604,7 @@
           <a:p>
             <a:fld id="{2C589450-6D6C-274A-95DB-474DD4720C8A}" type="datetimeFigureOut">
               <a:rPr lang="en-US" smtClean="0"/>
-              <a:t>4/5/21</a:t>
+              <a:t>4/5/2021</a:t>
             </a:fld>
             <a:endParaRPr lang="en-US"/>
           </a:p>
@@ -774,7 +774,7 @@
           <a:p>
             <a:fld id="{2C589450-6D6C-274A-95DB-474DD4720C8A}" type="datetimeFigureOut">
               <a:rPr lang="en-US" smtClean="0"/>
-              <a:t>4/5/21</a:t>
+              <a:t>4/5/2021</a:t>
             </a:fld>
             <a:endParaRPr lang="en-US"/>
           </a:p>
@@ -1018,7 +1018,7 @@
           <a:p>
             <a:fld id="{2C589450-6D6C-274A-95DB-474DD4720C8A}" type="datetimeFigureOut">
               <a:rPr lang="en-US" smtClean="0"/>
-              <a:t>4/5/21</a:t>
+              <a:t>4/5/2021</a:t>
             </a:fld>
             <a:endParaRPr lang="en-US"/>
           </a:p>
@@ -1250,7 +1250,7 @@
           <a:p>
             <a:fld id="{2C589450-6D6C-274A-95DB-474DD4720C8A}" type="datetimeFigureOut">
               <a:rPr lang="en-US" smtClean="0"/>
-              <a:t>4/5/21</a:t>
+              <a:t>4/5/2021</a:t>
             </a:fld>
             <a:endParaRPr lang="en-US"/>
           </a:p>
@@ -1617,7 +1617,7 @@
           <a:p>
             <a:fld id="{2C589450-6D6C-274A-95DB-474DD4720C8A}" type="datetimeFigureOut">
               <a:rPr lang="en-US" smtClean="0"/>
-              <a:t>4/5/21</a:t>
+              <a:t>4/5/2021</a:t>
             </a:fld>
             <a:endParaRPr lang="en-US"/>
           </a:p>
@@ -1735,7 +1735,7 @@
           <a:p>
             <a:fld id="{2C589450-6D6C-274A-95DB-474DD4720C8A}" type="datetimeFigureOut">
               <a:rPr lang="en-US" smtClean="0"/>
-              <a:t>4/5/21</a:t>
+              <a:t>4/5/2021</a:t>
             </a:fld>
             <a:endParaRPr lang="en-US"/>
           </a:p>
@@ -1830,7 +1830,7 @@
           <a:p>
             <a:fld id="{2C589450-6D6C-274A-95DB-474DD4720C8A}" type="datetimeFigureOut">
               <a:rPr lang="en-US" smtClean="0"/>
-              <a:t>4/5/21</a:t>
+              <a:t>4/5/2021</a:t>
             </a:fld>
             <a:endParaRPr lang="en-US"/>
           </a:p>
@@ -2107,7 +2107,7 @@
           <a:p>
             <a:fld id="{2C589450-6D6C-274A-95DB-474DD4720C8A}" type="datetimeFigureOut">
               <a:rPr lang="en-US" smtClean="0"/>
-              <a:t>4/5/21</a:t>
+              <a:t>4/5/2021</a:t>
             </a:fld>
             <a:endParaRPr lang="en-US"/>
           </a:p>
@@ -2364,7 +2364,7 @@
           <a:p>
             <a:fld id="{2C589450-6D6C-274A-95DB-474DD4720C8A}" type="datetimeFigureOut">
               <a:rPr lang="en-US" smtClean="0"/>
-              <a:t>4/5/21</a:t>
+              <a:t>4/5/2021</a:t>
             </a:fld>
             <a:endParaRPr lang="en-US"/>
           </a:p>
@@ -2580,7 +2580,7 @@
           <a:p>
             <a:fld id="{2C589450-6D6C-274A-95DB-474DD4720C8A}" type="datetimeFigureOut">
               <a:rPr lang="en-US" smtClean="0"/>
-              <a:t>4/5/21</a:t>
+              <a:t>4/5/2021</a:t>
             </a:fld>
             <a:endParaRPr lang="en-US"/>
           </a:p>
@@ -3501,7 +3501,7 @@
                 </a:solidFill>
                 <a:latin typeface="Gotham HTF Book" pitchFamily="2" charset="77"/>
               </a:rPr>
-              <a:t>38٪ </a:t>
+              <a:t>٣٨%</a:t>
             </a:r>
             <a:r>
               <a:rPr lang="en-US" sz="1050" dirty="0">
@@ -3573,16 +3573,7 @@
                 </a:solidFill>
                 <a:latin typeface="Gotham HTF" pitchFamily="2" charset="77"/>
               </a:rPr>
-              <a:t>2٪ </a:t>
-            </a:r>
-            <a:r>
-              <a:rPr lang="en-US" sz="1050" b="1" dirty="0">
-                <a:solidFill>
-                  <a:schemeClr val="tx2"/>
-                </a:solidFill>
-                <a:latin typeface="Gotham HTF" pitchFamily="2" charset="77"/>
-              </a:rPr>
-              <a:t> </a:t>
+              <a:t>٢% </a:t>
             </a:r>
             <a:r>
               <a:rPr lang="ar-SA" sz="1050" dirty="0">
@@ -3651,7 +3642,7 @@
                 </a:solidFill>
                 <a:latin typeface="Gotham HTF Book" pitchFamily="2" charset="77"/>
               </a:rPr>
-              <a:t>60٪ </a:t>
+              <a:t>٦٠% </a:t>
             </a:r>
             <a:r>
               <a:rPr lang="en-US" sz="1050" dirty="0">
@@ -3785,7 +3776,7 @@
             <a:pPr rtl="1"/>
             <a:r>
               <a:rPr lang="ar-SA" b="1" dirty="0"/>
-              <a:t>100٪ خصوصية </a:t>
+              <a:t>١٠٠% خصوصية </a:t>
             </a:r>
             <a:r>
               <a:rPr lang="ar-SA" dirty="0"/>
@@ -4753,7 +4744,7 @@
               <a:rPr lang="ar-SA" dirty="0">
                 <a:latin typeface="Gotham HTF" pitchFamily="2" charset="77"/>
               </a:rPr>
-              <a:t> المتخصصة باهظة الثمن بنسبة 100٪</a:t>
+              <a:t> المتخصصة باهظة الثمن بنسبة ١٠٠%</a:t>
             </a:r>
             <a:endParaRPr lang="en-US" dirty="0"/>
           </a:p>
@@ -13197,7 +13188,7 @@
         </p:nvSpPr>
         <p:spPr>
           <a:xfrm>
-            <a:off x="143840" y="8974219"/>
+            <a:off x="2901662" y="8990603"/>
             <a:ext cx="3907502" cy="185280"/>
           </a:xfrm>
           <a:prstGeom prst="rect">
@@ -13211,7 +13202,16 @@
           </a:bodyPr>
           <a:lstStyle/>
           <a:p>
-            <a:pPr algn="l"/>
+            <a:pPr algn="r" rtl="1"/>
+            <a:r>
+              <a:rPr lang="ar-SA" sz="600" dirty="0">
+                <a:solidFill>
+                  <a:schemeClr val="bg2"/>
+                </a:solidFill>
+                <a:latin typeface="Gotham HTF Book" pitchFamily="2" charset="77"/>
+              </a:rPr>
+              <a:t>لماذا </a:t>
+            </a:r>
             <a:r>
               <a:rPr lang="en-US" sz="600" dirty="0">
                 <a:solidFill>
@@ -13219,8 +13219,41 @@
                 </a:solidFill>
                 <a:latin typeface="Gotham HTF Book" pitchFamily="2" charset="77"/>
               </a:rPr>
-              <a:t>Why Epic? – a comparison with BTC Feb 2021 v06</a:t>
+              <a:t>Epic؟ - </a:t>
             </a:r>
+            <a:r>
+              <a:rPr lang="ar-SA" sz="600" dirty="0">
+                <a:solidFill>
+                  <a:schemeClr val="bg2"/>
+                </a:solidFill>
+                <a:latin typeface="Gotham HTF Book" pitchFamily="2" charset="77"/>
+              </a:rPr>
+              <a:t>مقارنة مع </a:t>
+            </a:r>
+            <a:r>
+              <a:rPr lang="en-US" sz="600" dirty="0">
+                <a:solidFill>
+                  <a:schemeClr val="bg2"/>
+                </a:solidFill>
+                <a:latin typeface="Gotham HTF Book" pitchFamily="2" charset="77"/>
+              </a:rPr>
+              <a:t>BTC </a:t>
+            </a:r>
+            <a:r>
+              <a:rPr lang="ar-SA" sz="600" dirty="0">
+                <a:solidFill>
+                  <a:schemeClr val="bg2"/>
+                </a:solidFill>
+                <a:latin typeface="Gotham HTF Book" pitchFamily="2" charset="77"/>
+              </a:rPr>
+              <a:t>فبراير ٢٠٢١  نسخة ٠٦ </a:t>
+            </a:r>
+            <a:endParaRPr lang="en-US" sz="600" dirty="0">
+              <a:solidFill>
+                <a:schemeClr val="bg2"/>
+              </a:solidFill>
+              <a:latin typeface="Gotham HTF Book" pitchFamily="2" charset="77"/>
+            </a:endParaRPr>
           </a:p>
         </p:txBody>
       </p:sp>
